--- a/ppt/课程.pptx
+++ b/ppt/课程.pptx
@@ -108,6 +108,11 @@
       </a:defRPr>
     </a:lvl9pPr>
   </p:defaultTextStyle>
+  <p:extLst>
+    <p:ext uri="{EFAFB233-063F-42B5-8137-9DF3F51BA10A}">
+      <p15:sldGuideLst xmlns:p15="http://schemas.microsoft.com/office/powerpoint/2012/main"/>
+    </p:ext>
+  </p:extLst>
 </p:presentation>
 </file>
 
@@ -258,7 +263,7 @@
           <a:p>
             <a:fld id="{7D097C34-937D-41A7-B0DF-936C64D6C9D2}" type="datetimeFigureOut">
               <a:rPr lang="zh-CN" altLang="en-US" smtClean="0"/>
-              <a:t>2024/8/29</a:t>
+              <a:t>2024/9/3</a:t>
             </a:fld>
             <a:endParaRPr lang="zh-CN" altLang="en-US"/>
           </a:p>
@@ -456,7 +461,7 @@
           <a:p>
             <a:fld id="{7D097C34-937D-41A7-B0DF-936C64D6C9D2}" type="datetimeFigureOut">
               <a:rPr lang="zh-CN" altLang="en-US" smtClean="0"/>
-              <a:t>2024/8/29</a:t>
+              <a:t>2024/9/3</a:t>
             </a:fld>
             <a:endParaRPr lang="zh-CN" altLang="en-US"/>
           </a:p>
@@ -664,7 +669,7 @@
           <a:p>
             <a:fld id="{7D097C34-937D-41A7-B0DF-936C64D6C9D2}" type="datetimeFigureOut">
               <a:rPr lang="zh-CN" altLang="en-US" smtClean="0"/>
-              <a:t>2024/8/29</a:t>
+              <a:t>2024/9/3</a:t>
             </a:fld>
             <a:endParaRPr lang="zh-CN" altLang="en-US"/>
           </a:p>
@@ -862,7 +867,7 @@
           <a:p>
             <a:fld id="{7D097C34-937D-41A7-B0DF-936C64D6C9D2}" type="datetimeFigureOut">
               <a:rPr lang="zh-CN" altLang="en-US" smtClean="0"/>
-              <a:t>2024/8/29</a:t>
+              <a:t>2024/9/3</a:t>
             </a:fld>
             <a:endParaRPr lang="zh-CN" altLang="en-US"/>
           </a:p>
@@ -1137,7 +1142,7 @@
           <a:p>
             <a:fld id="{7D097C34-937D-41A7-B0DF-936C64D6C9D2}" type="datetimeFigureOut">
               <a:rPr lang="zh-CN" altLang="en-US" smtClean="0"/>
-              <a:t>2024/8/29</a:t>
+              <a:t>2024/9/3</a:t>
             </a:fld>
             <a:endParaRPr lang="zh-CN" altLang="en-US"/>
           </a:p>
@@ -1402,7 +1407,7 @@
           <a:p>
             <a:fld id="{7D097C34-937D-41A7-B0DF-936C64D6C9D2}" type="datetimeFigureOut">
               <a:rPr lang="zh-CN" altLang="en-US" smtClean="0"/>
-              <a:t>2024/8/29</a:t>
+              <a:t>2024/9/3</a:t>
             </a:fld>
             <a:endParaRPr lang="zh-CN" altLang="en-US"/>
           </a:p>
@@ -1814,7 +1819,7 @@
           <a:p>
             <a:fld id="{7D097C34-937D-41A7-B0DF-936C64D6C9D2}" type="datetimeFigureOut">
               <a:rPr lang="zh-CN" altLang="en-US" smtClean="0"/>
-              <a:t>2024/8/29</a:t>
+              <a:t>2024/9/3</a:t>
             </a:fld>
             <a:endParaRPr lang="zh-CN" altLang="en-US"/>
           </a:p>
@@ -1955,7 +1960,7 @@
           <a:p>
             <a:fld id="{7D097C34-937D-41A7-B0DF-936C64D6C9D2}" type="datetimeFigureOut">
               <a:rPr lang="zh-CN" altLang="en-US" smtClean="0"/>
-              <a:t>2024/8/29</a:t>
+              <a:t>2024/9/3</a:t>
             </a:fld>
             <a:endParaRPr lang="zh-CN" altLang="en-US"/>
           </a:p>
@@ -2068,7 +2073,7 @@
           <a:p>
             <a:fld id="{7D097C34-937D-41A7-B0DF-936C64D6C9D2}" type="datetimeFigureOut">
               <a:rPr lang="zh-CN" altLang="en-US" smtClean="0"/>
-              <a:t>2024/8/29</a:t>
+              <a:t>2024/9/3</a:t>
             </a:fld>
             <a:endParaRPr lang="zh-CN" altLang="en-US"/>
           </a:p>
@@ -2379,7 +2384,7 @@
           <a:p>
             <a:fld id="{7D097C34-937D-41A7-B0DF-936C64D6C9D2}" type="datetimeFigureOut">
               <a:rPr lang="zh-CN" altLang="en-US" smtClean="0"/>
-              <a:t>2024/8/29</a:t>
+              <a:t>2024/9/3</a:t>
             </a:fld>
             <a:endParaRPr lang="zh-CN" altLang="en-US"/>
           </a:p>
@@ -2667,7 +2672,7 @@
           <a:p>
             <a:fld id="{7D097C34-937D-41A7-B0DF-936C64D6C9D2}" type="datetimeFigureOut">
               <a:rPr lang="zh-CN" altLang="en-US" smtClean="0"/>
-              <a:t>2024/8/29</a:t>
+              <a:t>2024/9/3</a:t>
             </a:fld>
             <a:endParaRPr lang="zh-CN" altLang="en-US"/>
           </a:p>
@@ -2908,7 +2913,7 @@
           <a:p>
             <a:fld id="{7D097C34-937D-41A7-B0DF-936C64D6C9D2}" type="datetimeFigureOut">
               <a:rPr lang="zh-CN" altLang="en-US" smtClean="0"/>
-              <a:t>2024/8/29</a:t>
+              <a:t>2024/9/3</a:t>
             </a:fld>
             <a:endParaRPr lang="zh-CN" altLang="en-US"/>
           </a:p>
@@ -3400,7 +3405,7 @@
             <a:fld id="{0B0F93B1-B378-4EB9-BDCF-DD9F71486CC2}" type="datetime1">
               <a:rPr lang="zh-CN" altLang="zh-CN"/>
               <a:pPr algn="ctr"/>
-              <a:t>2024/8/29</a:t>
+              <a:t>2024/9/3</a:t>
             </a:fld>
             <a:endParaRPr lang="en-US" altLang="zh-CN" dirty="0"/>
           </a:p>
@@ -3737,10 +3742,10 @@
       </p:grpSpPr>
       <p:pic>
         <p:nvPicPr>
-          <p:cNvPr id="3" name="图片 2">
-            <a:extLst>
-              <a:ext uri="{FF2B5EF4-FFF2-40B4-BE49-F238E27FC236}">
-                <a16:creationId xmlns:a16="http://schemas.microsoft.com/office/drawing/2014/main" id="{50954726-E6A0-5F17-ECDF-269310F939D3}"/>
+          <p:cNvPr id="6" name="图片 5">
+            <a:extLst>
+              <a:ext uri="{FF2B5EF4-FFF2-40B4-BE49-F238E27FC236}">
+                <a16:creationId xmlns:a16="http://schemas.microsoft.com/office/drawing/2014/main" id="{E18DD50C-100C-9203-FBCA-3A5C004B97D3}"/>
               </a:ext>
             </a:extLst>
           </p:cNvPr>
@@ -3757,8 +3762,8 @@
         </p:blipFill>
         <p:spPr>
           <a:xfrm>
-            <a:off x="1205524" y="1233762"/>
-            <a:ext cx="9780952" cy="4390476"/>
+            <a:off x="1638300" y="981075"/>
+            <a:ext cx="8915400" cy="4895850"/>
           </a:xfrm>
           <a:prstGeom prst="rect">
             <a:avLst/>
